--- a/Later/StringBuffer/StringBuffer_28/Java StringBuffer Vs String.pptx
+++ b/Later/StringBuffer/StringBuffer_28/Java StringBuffer Vs String.pptx
@@ -3775,7 +3775,7 @@
           <p:nvPr>
             <p:extLst>
               <p:ext uri="{D42A27DB-BD31-4B8C-83A1-F6EECF244321}">
-                <p14:modId xmlns:p14="http://schemas.microsoft.com/office/powerpoint/2010/main" val="3012668688"/>
+                <p14:modId xmlns:p14="http://schemas.microsoft.com/office/powerpoint/2010/main" val="14691656"/>
               </p:ext>
             </p:extLst>
           </p:nvPr>
@@ -4032,7 +4032,19 @@
                           <a:ea typeface="+mn-ea"/>
                           <a:cs typeface="+mn-cs"/>
                         </a:rPr>
-                        <a:t>StringBuffer class is </a:t>
+                        <a:t>StringBuffer </a:t>
+                      </a:r>
+                      <a:r>
+                        <a:rPr lang="en-US" sz="1200" b="0" i="0" kern="1200" dirty="0" smtClean="0">
+                          <a:solidFill>
+                            <a:schemeClr val="tx1"/>
+                          </a:solidFill>
+                          <a:effectLst/>
+                          <a:latin typeface="+mn-lt"/>
+                          <a:ea typeface="+mn-ea"/>
+                          <a:cs typeface="+mn-cs"/>
+                        </a:rPr>
+                        <a:t>is </a:t>
                       </a:r>
                       <a:r>
                         <a:rPr lang="en-US" sz="1200" b="1" i="0" kern="1200" dirty="0" smtClean="0">
